--- a/slides/LLMs/08  Gen AI -Tools.pptx
+++ b/slides/LLMs/08  Gen AI -Tools.pptx
@@ -5,10 +5,10 @@
     <p:sldMasterId id="2147483648" r:id="rId1"/>
   </p:sldMasterIdLst>
   <p:notesMasterIdLst>
-    <p:notesMasterId r:id="rId20"/>
+    <p:notesMasterId r:id="rId19"/>
   </p:notesMasterIdLst>
   <p:handoutMasterIdLst>
-    <p:handoutMasterId r:id="rId21"/>
+    <p:handoutMasterId r:id="rId20"/>
   </p:handoutMasterIdLst>
   <p:sldIdLst>
     <p:sldId id="256" r:id="rId3"/>
@@ -26,8 +26,7 @@
     <p:sldId id="1496" r:id="rId15"/>
     <p:sldId id="1502" r:id="rId16"/>
     <p:sldId id="1480" r:id="rId17"/>
-    <p:sldId id="1501" r:id="rId18"/>
-    <p:sldId id="1315" r:id="rId19"/>
+    <p:sldId id="1315" r:id="rId18"/>
   </p:sldIdLst>
   <p:sldSz cx="12192000" cy="6858000"/>
   <p:notesSz cx="6858000" cy="9144000"/>
@@ -4316,92 +4315,6 @@
 </file>
 
 <file path=ppt/slides/slide16.xml><?xml version="1.0" encoding="utf-8"?>
-<p:sld xmlns:a="http://schemas.openxmlformats.org/drawingml/2006/main" xmlns:r="http://schemas.openxmlformats.org/officeDocument/2006/relationships" xmlns:p="http://schemas.openxmlformats.org/presentationml/2006/main">
-  <p:cSld>
-    <p:spTree>
-      <p:nvGrpSpPr>
-        <p:cNvPr id="1" name=""/>
-        <p:cNvGrpSpPr/>
-        <p:nvPr/>
-      </p:nvGrpSpPr>
-      <p:grpSpPr/>
-      <p:sp>
-        <p:nvSpPr>
-          <p:cNvPr id="2" name="Title 1"/>
-          <p:cNvSpPr>
-            <a:spLocks noGrp="1"/>
-          </p:cNvSpPr>
-          <p:nvPr>
-            <p:ph type="title"/>
-          </p:nvPr>
-        </p:nvSpPr>
-        <p:spPr/>
-        <p:txBody>
-          <a:bodyPr/>
-          <a:p>
-            <a:r>
-              <a:rPr lang="en-US"/>
-              <a:t>AI detector tools </a:t>
-            </a:r>
-            <a:endParaRPr lang="en-US"/>
-          </a:p>
-        </p:txBody>
-      </p:sp>
-      <p:sp>
-        <p:nvSpPr>
-          <p:cNvPr id="3" name="Content Placeholder 2"/>
-          <p:cNvSpPr>
-            <a:spLocks noGrp="1"/>
-          </p:cNvSpPr>
-          <p:nvPr>
-            <p:ph idx="1"/>
-          </p:nvPr>
-        </p:nvSpPr>
-        <p:spPr/>
-        <p:txBody>
-          <a:bodyPr/>
-          <a:p>
-            <a:r>
-              <a:rPr lang="en-US"/>
-              <a:t>https://ddiy.co/ai-image-detection-tools/</a:t>
-            </a:r>
-            <a:endParaRPr lang="en-US"/>
-          </a:p>
-          <a:p>
-            <a:pPr lvl="1"/>
-            <a:r>
-              <a:rPr lang="en-US"/>
-              <a:t>AI or Not aiornot.com</a:t>
-            </a:r>
-            <a:endParaRPr lang="en-US"/>
-          </a:p>
-          <a:p>
-            <a:pPr lvl="1"/>
-            <a:r>
-              <a:rPr lang="en-US"/>
-              <a:t>illuminarty.ai</a:t>
-            </a:r>
-            <a:endParaRPr lang="en-US"/>
-          </a:p>
-          <a:p>
-            <a:pPr lvl="1"/>
-            <a:r>
-              <a:rPr lang="en-US"/>
-              <a:t>https://huggingface.co/spaces/umm-maybe/AI-image-detector</a:t>
-            </a:r>
-            <a:endParaRPr lang="en-US"/>
-          </a:p>
-        </p:txBody>
-      </p:sp>
-    </p:spTree>
-  </p:cSld>
-  <p:clrMapOvr>
-    <a:masterClrMapping/>
-  </p:clrMapOvr>
-</p:sld>
-</file>
-
-<file path=ppt/slides/slide17.xml><?xml version="1.0" encoding="utf-8"?>
 <p:sld xmlns:a="http://schemas.openxmlformats.org/drawingml/2006/main" xmlns:r="http://schemas.openxmlformats.org/officeDocument/2006/relationships" xmlns:p="http://schemas.openxmlformats.org/presentationml/2006/main">
   <p:cSld>
     <p:spTree>
